--- a/figs/fig_prep_2.pptx
+++ b/figs/fig_prep_2.pptx
@@ -104,6 +104,11 @@
       </a:defRPr>
     </a:lvl9pPr>
   </p:defaultTextStyle>
+  <p:extLst>
+    <p:ext uri="{EFAFB233-063F-42B5-8137-9DF3F51BA10A}">
+      <p15:sldGuideLst xmlns:p15="http://schemas.microsoft.com/office/powerpoint/2012/main"/>
+    </p:ext>
+  </p:extLst>
 </p:presentation>
 </file>
 
@@ -238,7 +243,7 @@
           <a:p>
             <a:fld id="{6FA1B834-0495-354C-AC40-6950F4C7C31A}" type="datetimeFigureOut">
               <a:rPr lang="en-US" smtClean="0"/>
-              <a:t>12/25/16</a:t>
+              <a:t>12/27/16</a:t>
             </a:fld>
             <a:endParaRPr lang="en-US"/>
           </a:p>
@@ -408,7 +413,7 @@
           <a:p>
             <a:fld id="{6FA1B834-0495-354C-AC40-6950F4C7C31A}" type="datetimeFigureOut">
               <a:rPr lang="en-US" smtClean="0"/>
-              <a:t>12/25/16</a:t>
+              <a:t>12/27/16</a:t>
             </a:fld>
             <a:endParaRPr lang="en-US"/>
           </a:p>
@@ -588,7 +593,7 @@
           <a:p>
             <a:fld id="{6FA1B834-0495-354C-AC40-6950F4C7C31A}" type="datetimeFigureOut">
               <a:rPr lang="en-US" smtClean="0"/>
-              <a:t>12/25/16</a:t>
+              <a:t>12/27/16</a:t>
             </a:fld>
             <a:endParaRPr lang="en-US"/>
           </a:p>
@@ -758,7 +763,7 @@
           <a:p>
             <a:fld id="{6FA1B834-0495-354C-AC40-6950F4C7C31A}" type="datetimeFigureOut">
               <a:rPr lang="en-US" smtClean="0"/>
-              <a:t>12/25/16</a:t>
+              <a:t>12/27/16</a:t>
             </a:fld>
             <a:endParaRPr lang="en-US"/>
           </a:p>
@@ -1004,7 +1009,7 @@
           <a:p>
             <a:fld id="{6FA1B834-0495-354C-AC40-6950F4C7C31A}" type="datetimeFigureOut">
               <a:rPr lang="en-US" smtClean="0"/>
-              <a:t>12/25/16</a:t>
+              <a:t>12/27/16</a:t>
             </a:fld>
             <a:endParaRPr lang="en-US"/>
           </a:p>
@@ -1236,7 +1241,7 @@
           <a:p>
             <a:fld id="{6FA1B834-0495-354C-AC40-6950F4C7C31A}" type="datetimeFigureOut">
               <a:rPr lang="en-US" smtClean="0"/>
-              <a:t>12/25/16</a:t>
+              <a:t>12/27/16</a:t>
             </a:fld>
             <a:endParaRPr lang="en-US"/>
           </a:p>
@@ -1603,7 +1608,7 @@
           <a:p>
             <a:fld id="{6FA1B834-0495-354C-AC40-6950F4C7C31A}" type="datetimeFigureOut">
               <a:rPr lang="en-US" smtClean="0"/>
-              <a:t>12/25/16</a:t>
+              <a:t>12/27/16</a:t>
             </a:fld>
             <a:endParaRPr lang="en-US"/>
           </a:p>
@@ -1721,7 +1726,7 @@
           <a:p>
             <a:fld id="{6FA1B834-0495-354C-AC40-6950F4C7C31A}" type="datetimeFigureOut">
               <a:rPr lang="en-US" smtClean="0"/>
-              <a:t>12/25/16</a:t>
+              <a:t>12/27/16</a:t>
             </a:fld>
             <a:endParaRPr lang="en-US"/>
           </a:p>
@@ -1816,7 +1821,7 @@
           <a:p>
             <a:fld id="{6FA1B834-0495-354C-AC40-6950F4C7C31A}" type="datetimeFigureOut">
               <a:rPr lang="en-US" smtClean="0"/>
-              <a:t>12/25/16</a:t>
+              <a:t>12/27/16</a:t>
             </a:fld>
             <a:endParaRPr lang="en-US"/>
           </a:p>
@@ -2093,7 +2098,7 @@
           <a:p>
             <a:fld id="{6FA1B834-0495-354C-AC40-6950F4C7C31A}" type="datetimeFigureOut">
               <a:rPr lang="en-US" smtClean="0"/>
-              <a:t>12/25/16</a:t>
+              <a:t>12/27/16</a:t>
             </a:fld>
             <a:endParaRPr lang="en-US"/>
           </a:p>
@@ -2346,7 +2351,7 @@
           <a:p>
             <a:fld id="{6FA1B834-0495-354C-AC40-6950F4C7C31A}" type="datetimeFigureOut">
               <a:rPr lang="en-US" smtClean="0"/>
-              <a:t>12/25/16</a:t>
+              <a:t>12/27/16</a:t>
             </a:fld>
             <a:endParaRPr lang="en-US"/>
           </a:p>
@@ -2559,7 +2564,7 @@
           <a:p>
             <a:fld id="{6FA1B834-0495-354C-AC40-6950F4C7C31A}" type="datetimeFigureOut">
               <a:rPr lang="en-US" smtClean="0"/>
-              <a:t>12/25/16</a:t>
+              <a:t>12/27/16</a:t>
             </a:fld>
             <a:endParaRPr lang="en-US"/>
           </a:p>
@@ -2966,784 +2971,6 @@
       </p:grpSpPr>
       <p:grpSp>
         <p:nvGrpSpPr>
-          <p:cNvPr id="29" name="Group 28"/>
-          <p:cNvGrpSpPr/>
-          <p:nvPr/>
-        </p:nvGrpSpPr>
-        <p:grpSpPr>
-          <a:xfrm>
-            <a:off x="588724" y="1427077"/>
-            <a:ext cx="8748398" cy="1628902"/>
-            <a:chOff x="588724" y="1427077"/>
-            <a:chExt cx="8748398" cy="1628902"/>
-          </a:xfrm>
-        </p:grpSpPr>
-        <p:sp>
-          <p:nvSpPr>
-            <p:cNvPr id="22" name="Rounded Rectangle 21"/>
-            <p:cNvSpPr/>
-            <p:nvPr/>
-          </p:nvSpPr>
-          <p:spPr>
-            <a:xfrm>
-              <a:off x="1923788" y="2041741"/>
-              <a:ext cx="3453004" cy="1014238"/>
-            </a:xfrm>
-            <a:prstGeom prst="roundRect">
-              <a:avLst/>
-            </a:prstGeom>
-            <a:solidFill>
-              <a:schemeClr val="bg1"/>
-            </a:solidFill>
-            <a:ln w="3175">
-              <a:solidFill>
-                <a:srgbClr val="FF0000"/>
-              </a:solidFill>
-              <a:prstDash val="dashDot"/>
-            </a:ln>
-          </p:spPr>
-          <p:style>
-            <a:lnRef idx="2">
-              <a:schemeClr val="accent1">
-                <a:shade val="50000"/>
-              </a:schemeClr>
-            </a:lnRef>
-            <a:fillRef idx="1">
-              <a:schemeClr val="accent1"/>
-            </a:fillRef>
-            <a:effectRef idx="0">
-              <a:schemeClr val="accent1"/>
-            </a:effectRef>
-            <a:fontRef idx="minor">
-              <a:schemeClr val="lt1"/>
-            </a:fontRef>
-          </p:style>
-          <p:txBody>
-            <a:bodyPr rtlCol="0" anchor="ctr"/>
-            <a:lstStyle/>
-            <a:p>
-              <a:pPr algn="ctr"/>
-              <a:endParaRPr lang="en-US"/>
-            </a:p>
-          </p:txBody>
-        </p:sp>
-        <p:cxnSp>
-          <p:nvCxnSpPr>
-            <p:cNvPr id="8" name="Straight Arrow Connector 7"/>
-            <p:cNvCxnSpPr>
-              <a:endCxn id="4" idx="1"/>
-            </p:cNvCxnSpPr>
-            <p:nvPr/>
-          </p:nvCxnSpPr>
-          <p:spPr>
-            <a:xfrm>
-              <a:off x="1490597" y="2549046"/>
-              <a:ext cx="626302" cy="1"/>
-            </a:xfrm>
-            <a:prstGeom prst="straightConnector1">
-              <a:avLst/>
-            </a:prstGeom>
-            <a:ln w="3175">
-              <a:solidFill>
-                <a:schemeClr val="tx1"/>
-              </a:solidFill>
-              <a:headEnd type="none" w="med" len="med"/>
-              <a:tailEnd type="arrow" w="med" len="med"/>
-            </a:ln>
-          </p:spPr>
-          <p:style>
-            <a:lnRef idx="1">
-              <a:schemeClr val="accent1"/>
-            </a:lnRef>
-            <a:fillRef idx="0">
-              <a:schemeClr val="accent1"/>
-            </a:fillRef>
-            <a:effectRef idx="0">
-              <a:schemeClr val="accent1"/>
-            </a:effectRef>
-            <a:fontRef idx="minor">
-              <a:schemeClr val="tx1"/>
-            </a:fontRef>
-          </p:style>
-        </p:cxnSp>
-        <p:sp>
-          <p:nvSpPr>
-            <p:cNvPr id="4" name="Rectangle 3"/>
-            <p:cNvSpPr/>
-            <p:nvPr/>
-          </p:nvSpPr>
-          <p:spPr>
-            <a:xfrm>
-              <a:off x="2116899" y="2242159"/>
-              <a:ext cx="1315232" cy="613775"/>
-            </a:xfrm>
-            <a:prstGeom prst="rect">
-              <a:avLst/>
-            </a:prstGeom>
-            <a:noFill/>
-            <a:ln w="3175">
-              <a:solidFill>
-                <a:schemeClr val="tx1"/>
-              </a:solidFill>
-            </a:ln>
-          </p:spPr>
-          <p:style>
-            <a:lnRef idx="2">
-              <a:schemeClr val="accent1">
-                <a:shade val="50000"/>
-              </a:schemeClr>
-            </a:lnRef>
-            <a:fillRef idx="1">
-              <a:schemeClr val="accent1"/>
-            </a:fillRef>
-            <a:effectRef idx="0">
-              <a:schemeClr val="accent1"/>
-            </a:effectRef>
-            <a:fontRef idx="minor">
-              <a:schemeClr val="lt1"/>
-            </a:fontRef>
-          </p:style>
-          <p:txBody>
-            <a:bodyPr rtlCol="0" anchor="ctr"/>
-            <a:lstStyle/>
-            <a:p>
-              <a:pPr algn="ctr"/>
-              <a:r>
-                <a:rPr lang="en-US" sz="1600" dirty="0" smtClean="0">
-                  <a:solidFill>
-                    <a:schemeClr val="tx1"/>
-                  </a:solidFill>
-                  <a:latin typeface="Arial" charset="0"/>
-                  <a:ea typeface="Arial" charset="0"/>
-                  <a:cs typeface="Arial" charset="0"/>
-                </a:rPr>
-                <a:t>Explore</a:t>
-              </a:r>
-              <a:endParaRPr lang="en-US" sz="1600" dirty="0">
-                <a:solidFill>
-                  <a:schemeClr val="tx1"/>
-                </a:solidFill>
-                <a:latin typeface="Arial" charset="0"/>
-                <a:ea typeface="Arial" charset="0"/>
-                <a:cs typeface="Arial" charset="0"/>
-              </a:endParaRPr>
-            </a:p>
-          </p:txBody>
-        </p:sp>
-        <p:sp>
-          <p:nvSpPr>
-            <p:cNvPr id="5" name="Rectangle 4"/>
-            <p:cNvSpPr/>
-            <p:nvPr/>
-          </p:nvSpPr>
-          <p:spPr>
-            <a:xfrm>
-              <a:off x="3835049" y="2244247"/>
-              <a:ext cx="1315232" cy="613775"/>
-            </a:xfrm>
-            <a:prstGeom prst="rect">
-              <a:avLst/>
-            </a:prstGeom>
-            <a:noFill/>
-            <a:ln w="3175">
-              <a:solidFill>
-                <a:schemeClr val="tx1"/>
-              </a:solidFill>
-            </a:ln>
-          </p:spPr>
-          <p:style>
-            <a:lnRef idx="2">
-              <a:schemeClr val="accent1">
-                <a:shade val="50000"/>
-              </a:schemeClr>
-            </a:lnRef>
-            <a:fillRef idx="1">
-              <a:schemeClr val="accent1"/>
-            </a:fillRef>
-            <a:effectRef idx="0">
-              <a:schemeClr val="accent1"/>
-            </a:effectRef>
-            <a:fontRef idx="minor">
-              <a:schemeClr val="lt1"/>
-            </a:fontRef>
-          </p:style>
-          <p:txBody>
-            <a:bodyPr rtlCol="0" anchor="ctr"/>
-            <a:lstStyle/>
-            <a:p>
-              <a:pPr algn="ctr"/>
-              <a:r>
-                <a:rPr lang="en-US" sz="1600" dirty="0" smtClean="0">
-                  <a:solidFill>
-                    <a:schemeClr val="tx1"/>
-                  </a:solidFill>
-                  <a:latin typeface="Arial" charset="0"/>
-                  <a:ea typeface="Arial" charset="0"/>
-                  <a:cs typeface="Arial" charset="0"/>
-                </a:rPr>
-                <a:t>Consolidate</a:t>
-              </a:r>
-              <a:endParaRPr lang="en-US" sz="1600" dirty="0">
-                <a:solidFill>
-                  <a:schemeClr val="tx1"/>
-                </a:solidFill>
-                <a:latin typeface="Arial" charset="0"/>
-                <a:ea typeface="Arial" charset="0"/>
-                <a:cs typeface="Arial" charset="0"/>
-              </a:endParaRPr>
-            </a:p>
-          </p:txBody>
-        </p:sp>
-        <p:sp>
-          <p:nvSpPr>
-            <p:cNvPr id="6" name="Rectangle 5"/>
-            <p:cNvSpPr/>
-            <p:nvPr/>
-          </p:nvSpPr>
-          <p:spPr>
-            <a:xfrm>
-              <a:off x="5603303" y="2242159"/>
-              <a:ext cx="1315232" cy="613775"/>
-            </a:xfrm>
-            <a:prstGeom prst="rect">
-              <a:avLst/>
-            </a:prstGeom>
-            <a:noFill/>
-            <a:ln w="3175">
-              <a:solidFill>
-                <a:schemeClr val="tx1"/>
-              </a:solidFill>
-            </a:ln>
-          </p:spPr>
-          <p:style>
-            <a:lnRef idx="2">
-              <a:schemeClr val="accent1">
-                <a:shade val="50000"/>
-              </a:schemeClr>
-            </a:lnRef>
-            <a:fillRef idx="1">
-              <a:schemeClr val="accent1"/>
-            </a:fillRef>
-            <a:effectRef idx="0">
-              <a:schemeClr val="accent1"/>
-            </a:effectRef>
-            <a:fontRef idx="minor">
-              <a:schemeClr val="lt1"/>
-            </a:fontRef>
-          </p:style>
-          <p:txBody>
-            <a:bodyPr rtlCol="0" anchor="ctr"/>
-            <a:lstStyle/>
-            <a:p>
-              <a:pPr algn="ctr"/>
-              <a:r>
-                <a:rPr lang="en-US" sz="1600" dirty="0" smtClean="0">
-                  <a:solidFill>
-                    <a:schemeClr val="tx1"/>
-                  </a:solidFill>
-                  <a:latin typeface="Arial" charset="0"/>
-                  <a:ea typeface="Arial" charset="0"/>
-                  <a:cs typeface="Arial" charset="0"/>
-                </a:rPr>
-                <a:t>Constrained</a:t>
-              </a:r>
-            </a:p>
-            <a:p>
-              <a:pPr algn="ctr"/>
-              <a:r>
-                <a:rPr lang="en-US" sz="1600" dirty="0" smtClean="0">
-                  <a:solidFill>
-                    <a:schemeClr val="tx1"/>
-                  </a:solidFill>
-                  <a:latin typeface="Arial" charset="0"/>
-                  <a:ea typeface="Arial" charset="0"/>
-                  <a:cs typeface="Arial" charset="0"/>
-                </a:rPr>
-                <a:t>Merging</a:t>
-              </a:r>
-              <a:endParaRPr lang="en-US" sz="1600" dirty="0">
-                <a:solidFill>
-                  <a:schemeClr val="tx1"/>
-                </a:solidFill>
-                <a:latin typeface="Arial" charset="0"/>
-                <a:ea typeface="Arial" charset="0"/>
-                <a:cs typeface="Arial" charset="0"/>
-              </a:endParaRPr>
-            </a:p>
-          </p:txBody>
-        </p:sp>
-        <p:cxnSp>
-          <p:nvCxnSpPr>
-            <p:cNvPr id="10" name="Straight Arrow Connector 9"/>
-            <p:cNvCxnSpPr>
-              <a:endCxn id="5" idx="1"/>
-            </p:cNvCxnSpPr>
-            <p:nvPr/>
-          </p:nvCxnSpPr>
-          <p:spPr>
-            <a:xfrm>
-              <a:off x="3457183" y="2549046"/>
-              <a:ext cx="377866" cy="2089"/>
-            </a:xfrm>
-            <a:prstGeom prst="straightConnector1">
-              <a:avLst/>
-            </a:prstGeom>
-            <a:ln w="3175">
-              <a:solidFill>
-                <a:schemeClr val="tx1"/>
-              </a:solidFill>
-              <a:headEnd type="none" w="med" len="med"/>
-              <a:tailEnd type="arrow" w="med" len="med"/>
-            </a:ln>
-          </p:spPr>
-          <p:style>
-            <a:lnRef idx="1">
-              <a:schemeClr val="accent1"/>
-            </a:lnRef>
-            <a:fillRef idx="0">
-              <a:schemeClr val="accent1"/>
-            </a:fillRef>
-            <a:effectRef idx="0">
-              <a:schemeClr val="accent1"/>
-            </a:effectRef>
-            <a:fontRef idx="minor">
-              <a:schemeClr val="tx1"/>
-            </a:fontRef>
-          </p:style>
-        </p:cxnSp>
-        <p:cxnSp>
-          <p:nvCxnSpPr>
-            <p:cNvPr id="12" name="Straight Arrow Connector 11"/>
-            <p:cNvCxnSpPr>
-              <a:stCxn id="5" idx="3"/>
-              <a:endCxn id="6" idx="1"/>
-            </p:cNvCxnSpPr>
-            <p:nvPr/>
-          </p:nvCxnSpPr>
-          <p:spPr>
-            <a:xfrm flipV="1">
-              <a:off x="5150281" y="2549047"/>
-              <a:ext cx="453022" cy="2088"/>
-            </a:xfrm>
-            <a:prstGeom prst="straightConnector1">
-              <a:avLst/>
-            </a:prstGeom>
-            <a:ln w="3175">
-              <a:solidFill>
-                <a:schemeClr val="tx1"/>
-              </a:solidFill>
-              <a:headEnd type="none" w="med" len="med"/>
-              <a:tailEnd type="arrow" w="med" len="med"/>
-            </a:ln>
-          </p:spPr>
-          <p:style>
-            <a:lnRef idx="1">
-              <a:schemeClr val="accent1"/>
-            </a:lnRef>
-            <a:fillRef idx="0">
-              <a:schemeClr val="accent1"/>
-            </a:fillRef>
-            <a:effectRef idx="0">
-              <a:schemeClr val="accent1"/>
-            </a:effectRef>
-            <a:fontRef idx="minor">
-              <a:schemeClr val="tx1"/>
-            </a:fontRef>
-          </p:style>
-        </p:cxnSp>
-        <p:cxnSp>
-          <p:nvCxnSpPr>
-            <p:cNvPr id="14" name="Straight Arrow Connector 13"/>
-            <p:cNvCxnSpPr/>
-            <p:nvPr/>
-          </p:nvCxnSpPr>
-          <p:spPr>
-            <a:xfrm>
-              <a:off x="6918535" y="2549046"/>
-              <a:ext cx="453022" cy="2089"/>
-            </a:xfrm>
-            <a:prstGeom prst="straightConnector1">
-              <a:avLst/>
-            </a:prstGeom>
-            <a:ln w="3175">
-              <a:solidFill>
-                <a:schemeClr val="tx1"/>
-              </a:solidFill>
-              <a:headEnd type="none" w="med" len="med"/>
-              <a:tailEnd type="arrow" w="med" len="med"/>
-            </a:ln>
-          </p:spPr>
-          <p:style>
-            <a:lnRef idx="1">
-              <a:schemeClr val="accent1"/>
-            </a:lnRef>
-            <a:fillRef idx="0">
-              <a:schemeClr val="accent1"/>
-            </a:fillRef>
-            <a:effectRef idx="0">
-              <a:schemeClr val="accent1"/>
-            </a:effectRef>
-            <a:fontRef idx="minor">
-              <a:schemeClr val="tx1"/>
-            </a:fontRef>
-          </p:style>
-        </p:cxnSp>
-        <p:cxnSp>
-          <p:nvCxnSpPr>
-            <p:cNvPr id="18" name="Straight Arrow Connector 17"/>
-            <p:cNvCxnSpPr/>
-            <p:nvPr/>
-          </p:nvCxnSpPr>
-          <p:spPr>
-            <a:xfrm>
-              <a:off x="1803748" y="2041742"/>
-              <a:ext cx="0" cy="507304"/>
-            </a:xfrm>
-            <a:prstGeom prst="straightConnector1">
-              <a:avLst/>
-            </a:prstGeom>
-            <a:ln>
-              <a:solidFill>
-                <a:schemeClr val="tx1"/>
-              </a:solidFill>
-              <a:tailEnd type="triangle"/>
-            </a:ln>
-          </p:spPr>
-          <p:style>
-            <a:lnRef idx="1">
-              <a:schemeClr val="accent1"/>
-            </a:lnRef>
-            <a:fillRef idx="0">
-              <a:schemeClr val="accent1"/>
-            </a:fillRef>
-            <a:effectRef idx="0">
-              <a:schemeClr val="accent1"/>
-            </a:effectRef>
-            <a:fontRef idx="minor">
-              <a:schemeClr val="tx1"/>
-            </a:fontRef>
-          </p:style>
-        </p:cxnSp>
-        <p:sp>
-          <p:nvSpPr>
-            <p:cNvPr id="20" name="TextBox 19"/>
-            <p:cNvSpPr txBox="1"/>
-            <p:nvPr/>
-          </p:nvSpPr>
-          <p:spPr>
-            <a:xfrm>
-              <a:off x="588724" y="1696386"/>
-              <a:ext cx="2645076" cy="307777"/>
-            </a:xfrm>
-            <a:prstGeom prst="rect">
-              <a:avLst/>
-            </a:prstGeom>
-            <a:noFill/>
-          </p:spPr>
-          <p:txBody>
-            <a:bodyPr wrap="square" rtlCol="0">
-              <a:spAutoFit/>
-            </a:bodyPr>
-            <a:lstStyle/>
-            <a:p>
-              <a:r>
-                <a:rPr lang="en-US" sz="1400" dirty="0" smtClean="0">
-                  <a:latin typeface="Arial" charset="0"/>
-                  <a:ea typeface="Arial" charset="0"/>
-                  <a:cs typeface="Arial" charset="0"/>
-                </a:rPr>
-                <a:t>Speech segments x</a:t>
-              </a:r>
-              <a:r>
-                <a:rPr lang="en-US" sz="1400" baseline="-25000" dirty="0" smtClean="0">
-                  <a:latin typeface="Arial" charset="0"/>
-                  <a:ea typeface="Arial" charset="0"/>
-                  <a:cs typeface="Arial" charset="0"/>
-                </a:rPr>
-                <a:t>1</a:t>
-              </a:r>
-              <a:r>
-                <a:rPr lang="en-US" sz="1400" dirty="0" smtClean="0">
-                  <a:latin typeface="Arial" charset="0"/>
-                  <a:ea typeface="Arial" charset="0"/>
-                  <a:cs typeface="Arial" charset="0"/>
-                </a:rPr>
-                <a:t>,x</a:t>
-              </a:r>
-              <a:r>
-                <a:rPr lang="en-US" sz="1400" baseline="-25000" dirty="0" smtClean="0">
-                  <a:latin typeface="Arial" charset="0"/>
-                  <a:ea typeface="Arial" charset="0"/>
-                  <a:cs typeface="Arial" charset="0"/>
-                </a:rPr>
-                <a:t>2</a:t>
-              </a:r>
-              <a:r>
-                <a:rPr lang="en-US" sz="1400" dirty="0" smtClean="0">
-                  <a:latin typeface="Arial" charset="0"/>
-                  <a:ea typeface="Arial" charset="0"/>
-                  <a:cs typeface="Arial" charset="0"/>
-                </a:rPr>
-                <a:t>,</a:t>
-              </a:r>
-              <a:r>
-                <a:rPr lang="is-IS" sz="1400" dirty="0" smtClean="0">
-                  <a:latin typeface="Arial" charset="0"/>
-                  <a:ea typeface="Arial" charset="0"/>
-                  <a:cs typeface="Arial" charset="0"/>
-                </a:rPr>
-                <a:t>…,x</a:t>
-              </a:r>
-              <a:r>
-                <a:rPr lang="is-IS" sz="1400" baseline="-25000" dirty="0" smtClean="0">
-                  <a:latin typeface="Arial" charset="0"/>
-                  <a:ea typeface="Arial" charset="0"/>
-                  <a:cs typeface="Arial" charset="0"/>
-                </a:rPr>
-                <a:t>n</a:t>
-              </a:r>
-              <a:endParaRPr lang="en-US" sz="1400" baseline="-25000" dirty="0">
-                <a:latin typeface="Arial" charset="0"/>
-                <a:ea typeface="Arial" charset="0"/>
-                <a:cs typeface="Arial" charset="0"/>
-              </a:endParaRPr>
-            </a:p>
-          </p:txBody>
-        </p:sp>
-        <p:sp>
-          <p:nvSpPr>
-            <p:cNvPr id="21" name="TextBox 20"/>
-            <p:cNvSpPr txBox="1"/>
-            <p:nvPr/>
-          </p:nvSpPr>
-          <p:spPr>
-            <a:xfrm>
-              <a:off x="6692024" y="2170134"/>
-              <a:ext cx="2645098" cy="523220"/>
-            </a:xfrm>
-            <a:prstGeom prst="rect">
-              <a:avLst/>
-            </a:prstGeom>
-            <a:noFill/>
-          </p:spPr>
-          <p:txBody>
-            <a:bodyPr wrap="square" rtlCol="0">
-              <a:spAutoFit/>
-            </a:bodyPr>
-            <a:lstStyle/>
-            <a:p>
-              <a:pPr algn="ctr"/>
-              <a:r>
-                <a:rPr lang="en-US" sz="1400" smtClean="0">
-                  <a:latin typeface="Arial" charset="0"/>
-                  <a:ea typeface="Arial" charset="0"/>
-                  <a:cs typeface="Arial" charset="0"/>
-                </a:rPr>
-                <a:t>x</a:t>
-              </a:r>
-              <a:r>
-                <a:rPr lang="en-US" sz="1400" baseline="-25000" smtClean="0">
-                  <a:latin typeface="Arial" charset="0"/>
-                  <a:ea typeface="Arial" charset="0"/>
-                  <a:cs typeface="Arial" charset="0"/>
-                </a:rPr>
-                <a:t>1</a:t>
-              </a:r>
-              <a:r>
-                <a:rPr lang="en-US" sz="1400" smtClean="0">
-                  <a:latin typeface="Arial" charset="0"/>
-                  <a:ea typeface="Arial" charset="0"/>
-                  <a:cs typeface="Arial" charset="0"/>
-                </a:rPr>
-                <a:t>,x</a:t>
-              </a:r>
-              <a:r>
-                <a:rPr lang="en-US" sz="1400" baseline="-25000" smtClean="0">
-                  <a:latin typeface="Arial" charset="0"/>
-                  <a:ea typeface="Arial" charset="0"/>
-                  <a:cs typeface="Arial" charset="0"/>
-                </a:rPr>
-                <a:t>2</a:t>
-              </a:r>
-              <a:r>
-                <a:rPr lang="en-US" sz="1400" dirty="0" smtClean="0">
-                  <a:latin typeface="Arial" charset="0"/>
-                  <a:ea typeface="Arial" charset="0"/>
-                  <a:cs typeface="Arial" charset="0"/>
-                </a:rPr>
-                <a:t>,</a:t>
-              </a:r>
-              <a:r>
-                <a:rPr lang="is-IS" sz="1400" dirty="0" smtClean="0">
-                  <a:latin typeface="Arial" charset="0"/>
-                  <a:ea typeface="Arial" charset="0"/>
-                  <a:cs typeface="Arial" charset="0"/>
-                </a:rPr>
-                <a:t>…,x</a:t>
-              </a:r>
-              <a:r>
-                <a:rPr lang="is-IS" sz="1400" baseline="-25000" dirty="0" smtClean="0">
-                  <a:latin typeface="Arial" charset="0"/>
-                  <a:ea typeface="Arial" charset="0"/>
-                  <a:cs typeface="Arial" charset="0"/>
-                </a:rPr>
-                <a:t>n</a:t>
-              </a:r>
-              <a:r>
-                <a:rPr lang="is-IS" sz="1400" dirty="0" smtClean="0">
-                  <a:latin typeface="Arial" charset="0"/>
-                  <a:ea typeface="Arial" charset="0"/>
-                  <a:cs typeface="Arial" charset="0"/>
-                </a:rPr>
-                <a:t>→ </a:t>
-              </a:r>
-              <a:r>
-                <a:rPr lang="en-US" sz="1400" dirty="0" smtClean="0">
-                  <a:latin typeface="Arial" charset="0"/>
-                  <a:ea typeface="Arial" charset="0"/>
-                  <a:cs typeface="Arial" charset="0"/>
-                </a:rPr>
-                <a:t>C</a:t>
-              </a:r>
-              <a:r>
-                <a:rPr lang="en-US" sz="1400" baseline="-25000" dirty="0" smtClean="0">
-                  <a:latin typeface="Arial" charset="0"/>
-                  <a:ea typeface="Arial" charset="0"/>
-                  <a:cs typeface="Arial" charset="0"/>
-                </a:rPr>
-                <a:t>1</a:t>
-              </a:r>
-              <a:r>
-                <a:rPr lang="en-US" sz="1400" dirty="0" smtClean="0">
-                  <a:latin typeface="Arial" charset="0"/>
-                  <a:ea typeface="Arial" charset="0"/>
-                  <a:cs typeface="Arial" charset="0"/>
-                </a:rPr>
-                <a:t>,C</a:t>
-              </a:r>
-              <a:r>
-                <a:rPr lang="en-US" sz="1400" baseline="-25000" dirty="0" smtClean="0">
-                  <a:latin typeface="Arial" charset="0"/>
-                  <a:ea typeface="Arial" charset="0"/>
-                  <a:cs typeface="Arial" charset="0"/>
-                </a:rPr>
-                <a:t>2</a:t>
-              </a:r>
-              <a:r>
-                <a:rPr lang="en-US" sz="1400" dirty="0" smtClean="0">
-                  <a:latin typeface="Arial" charset="0"/>
-                  <a:ea typeface="Arial" charset="0"/>
-                  <a:cs typeface="Arial" charset="0"/>
-                </a:rPr>
-                <a:t>,</a:t>
-              </a:r>
-              <a:r>
-                <a:rPr lang="is-IS" sz="1400" dirty="0" smtClean="0">
-                  <a:latin typeface="Arial" charset="0"/>
-                  <a:ea typeface="Arial" charset="0"/>
-                  <a:cs typeface="Arial" charset="0"/>
-                </a:rPr>
-                <a:t>…,C</a:t>
-              </a:r>
-              <a:r>
-                <a:rPr lang="is-IS" sz="1400" baseline="-25000" dirty="0" smtClean="0">
-                  <a:latin typeface="Arial" charset="0"/>
-                  <a:ea typeface="Arial" charset="0"/>
-                  <a:cs typeface="Arial" charset="0"/>
-                </a:rPr>
-                <a:t>k</a:t>
-              </a:r>
-            </a:p>
-            <a:p>
-              <a:endParaRPr lang="en-US" sz="1400" dirty="0">
-                <a:latin typeface="Arial" charset="0"/>
-                <a:ea typeface="Arial" charset="0"/>
-                <a:cs typeface="Arial" charset="0"/>
-              </a:endParaRPr>
-            </a:p>
-          </p:txBody>
-        </p:sp>
-        <p:cxnSp>
-          <p:nvCxnSpPr>
-            <p:cNvPr id="27" name="Straight Arrow Connector 26"/>
-            <p:cNvCxnSpPr>
-              <a:endCxn id="22" idx="0"/>
-            </p:cNvCxnSpPr>
-            <p:nvPr/>
-          </p:nvCxnSpPr>
-          <p:spPr>
-            <a:xfrm>
-              <a:off x="3646116" y="1733964"/>
-              <a:ext cx="4174" cy="307777"/>
-            </a:xfrm>
-            <a:prstGeom prst="straightConnector1">
-              <a:avLst/>
-            </a:prstGeom>
-            <a:ln>
-              <a:solidFill>
-                <a:srgbClr val="FF0000"/>
-              </a:solidFill>
-              <a:prstDash val="dashDot"/>
-              <a:headEnd type="none" w="med" len="med"/>
-              <a:tailEnd type="arrow" w="med" len="med"/>
-            </a:ln>
-          </p:spPr>
-          <p:style>
-            <a:lnRef idx="1">
-              <a:schemeClr val="accent1"/>
-            </a:lnRef>
-            <a:fillRef idx="0">
-              <a:schemeClr val="accent1"/>
-            </a:fillRef>
-            <a:effectRef idx="0">
-              <a:schemeClr val="accent1"/>
-            </a:effectRef>
-            <a:fontRef idx="minor">
-              <a:schemeClr val="tx1"/>
-            </a:fontRef>
-          </p:style>
-        </p:cxnSp>
-        <p:sp>
-          <p:nvSpPr>
-            <p:cNvPr id="28" name="TextBox 27"/>
-            <p:cNvSpPr txBox="1"/>
-            <p:nvPr/>
-          </p:nvSpPr>
-          <p:spPr>
-            <a:xfrm>
-              <a:off x="3022946" y="1427077"/>
-              <a:ext cx="1425878" cy="307777"/>
-            </a:xfrm>
-            <a:prstGeom prst="rect">
-              <a:avLst/>
-            </a:prstGeom>
-            <a:noFill/>
-          </p:spPr>
-          <p:txBody>
-            <a:bodyPr wrap="square" rtlCol="0">
-              <a:spAutoFit/>
-            </a:bodyPr>
-            <a:lstStyle/>
-            <a:p>
-              <a:r>
-                <a:rPr lang="en-US" sz="1400" dirty="0" smtClean="0">
-                  <a:latin typeface="Arial" charset="0"/>
-                  <a:ea typeface="Arial" charset="0"/>
-                  <a:cs typeface="Arial" charset="0"/>
-                </a:rPr>
-                <a:t>Active Learning </a:t>
-              </a:r>
-              <a:endParaRPr lang="en-US" sz="1400" dirty="0">
-                <a:latin typeface="Arial" charset="0"/>
-                <a:ea typeface="Arial" charset="0"/>
-                <a:cs typeface="Arial" charset="0"/>
-              </a:endParaRPr>
-            </a:p>
-          </p:txBody>
-        </p:sp>
-      </p:grpSp>
-      <p:grpSp>
-        <p:nvGrpSpPr>
           <p:cNvPr id="45" name="Group 44"/>
           <p:cNvGrpSpPr/>
           <p:nvPr/>
@@ -4460,23 +3687,7 @@
                   <a:ea typeface="Arial" charset="0"/>
                   <a:cs typeface="Arial" charset="0"/>
                 </a:rPr>
-                <a:t>Refined cluster </a:t>
-              </a:r>
-              <a:r>
-                <a:rPr lang="en-US" sz="1400" dirty="0" smtClean="0">
-                  <a:latin typeface="Arial" charset="0"/>
-                  <a:ea typeface="Arial" charset="0"/>
-                  <a:cs typeface="Arial" charset="0"/>
-                </a:rPr>
-                <a:t>a</a:t>
-              </a:r>
-              <a:r>
-                <a:rPr lang="en-US" sz="1400" dirty="0" smtClean="0">
-                  <a:latin typeface="Arial" charset="0"/>
-                  <a:ea typeface="Arial" charset="0"/>
-                  <a:cs typeface="Arial" charset="0"/>
-                </a:rPr>
-                <a:t>ssignments</a:t>
+                <a:t>Refined cluster assignments</a:t>
               </a:r>
             </a:p>
             <a:p>
@@ -4604,6 +3815,793 @@
             </a:p>
             <a:p>
               <a:endParaRPr lang="en-US" sz="1400" dirty="0">
+                <a:latin typeface="Arial" charset="0"/>
+                <a:ea typeface="Arial" charset="0"/>
+                <a:cs typeface="Arial" charset="0"/>
+              </a:endParaRPr>
+            </a:p>
+          </p:txBody>
+        </p:sp>
+      </p:grpSp>
+      <p:grpSp>
+        <p:nvGrpSpPr>
+          <p:cNvPr id="11" name="Group 10"/>
+          <p:cNvGrpSpPr/>
+          <p:nvPr/>
+        </p:nvGrpSpPr>
+        <p:grpSpPr>
+          <a:xfrm>
+            <a:off x="365204" y="1081277"/>
+            <a:ext cx="8341998" cy="1974702"/>
+            <a:chOff x="365204" y="1081277"/>
+            <a:chExt cx="8341998" cy="1974702"/>
+          </a:xfrm>
+        </p:grpSpPr>
+        <p:sp>
+          <p:nvSpPr>
+            <p:cNvPr id="22" name="Rounded Rectangle 21"/>
+            <p:cNvSpPr/>
+            <p:nvPr/>
+          </p:nvSpPr>
+          <p:spPr>
+            <a:xfrm>
+              <a:off x="1923788" y="2041741"/>
+              <a:ext cx="1722328" cy="1014238"/>
+            </a:xfrm>
+            <a:prstGeom prst="roundRect">
+              <a:avLst/>
+            </a:prstGeom>
+            <a:solidFill>
+              <a:schemeClr val="bg1"/>
+            </a:solidFill>
+            <a:ln w="3175">
+              <a:solidFill>
+                <a:srgbClr val="FF0000"/>
+              </a:solidFill>
+              <a:prstDash val="dashDot"/>
+            </a:ln>
+          </p:spPr>
+          <p:style>
+            <a:lnRef idx="2">
+              <a:schemeClr val="accent1">
+                <a:shade val="50000"/>
+              </a:schemeClr>
+            </a:lnRef>
+            <a:fillRef idx="1">
+              <a:schemeClr val="accent1"/>
+            </a:fillRef>
+            <a:effectRef idx="0">
+              <a:schemeClr val="accent1"/>
+            </a:effectRef>
+            <a:fontRef idx="minor">
+              <a:schemeClr val="lt1"/>
+            </a:fontRef>
+          </p:style>
+          <p:txBody>
+            <a:bodyPr rtlCol="0" anchor="ctr"/>
+            <a:lstStyle/>
+            <a:p>
+              <a:pPr algn="ctr"/>
+              <a:endParaRPr lang="en-US"/>
+            </a:p>
+          </p:txBody>
+        </p:sp>
+        <p:cxnSp>
+          <p:nvCxnSpPr>
+            <p:cNvPr id="8" name="Straight Arrow Connector 7"/>
+            <p:cNvCxnSpPr>
+              <a:endCxn id="4" idx="1"/>
+            </p:cNvCxnSpPr>
+            <p:nvPr/>
+          </p:nvCxnSpPr>
+          <p:spPr>
+            <a:xfrm>
+              <a:off x="1490597" y="2549046"/>
+              <a:ext cx="626302" cy="1"/>
+            </a:xfrm>
+            <a:prstGeom prst="straightConnector1">
+              <a:avLst/>
+            </a:prstGeom>
+            <a:ln w="3175">
+              <a:solidFill>
+                <a:schemeClr val="tx1"/>
+              </a:solidFill>
+              <a:headEnd type="none" w="med" len="med"/>
+              <a:tailEnd type="arrow" w="med" len="med"/>
+            </a:ln>
+          </p:spPr>
+          <p:style>
+            <a:lnRef idx="1">
+              <a:schemeClr val="accent1"/>
+            </a:lnRef>
+            <a:fillRef idx="0">
+              <a:schemeClr val="accent1"/>
+            </a:fillRef>
+            <a:effectRef idx="0">
+              <a:schemeClr val="accent1"/>
+            </a:effectRef>
+            <a:fontRef idx="minor">
+              <a:schemeClr val="tx1"/>
+            </a:fontRef>
+          </p:style>
+        </p:cxnSp>
+        <p:sp>
+          <p:nvSpPr>
+            <p:cNvPr id="4" name="Rectangle 3"/>
+            <p:cNvSpPr/>
+            <p:nvPr/>
+          </p:nvSpPr>
+          <p:spPr>
+            <a:xfrm>
+              <a:off x="2116899" y="2242159"/>
+              <a:ext cx="1315232" cy="613775"/>
+            </a:xfrm>
+            <a:prstGeom prst="rect">
+              <a:avLst/>
+            </a:prstGeom>
+            <a:noFill/>
+            <a:ln w="3175">
+              <a:solidFill>
+                <a:schemeClr val="tx1"/>
+              </a:solidFill>
+            </a:ln>
+          </p:spPr>
+          <p:style>
+            <a:lnRef idx="2">
+              <a:schemeClr val="accent1">
+                <a:shade val="50000"/>
+              </a:schemeClr>
+            </a:lnRef>
+            <a:fillRef idx="1">
+              <a:schemeClr val="accent1"/>
+            </a:fillRef>
+            <a:effectRef idx="0">
+              <a:schemeClr val="accent1"/>
+            </a:effectRef>
+            <a:fontRef idx="minor">
+              <a:schemeClr val="lt1"/>
+            </a:fontRef>
+          </p:style>
+          <p:txBody>
+            <a:bodyPr rtlCol="0" anchor="ctr"/>
+            <a:lstStyle/>
+            <a:p>
+              <a:pPr algn="ctr"/>
+              <a:r>
+                <a:rPr lang="en-US" sz="1600" dirty="0" smtClean="0">
+                  <a:solidFill>
+                    <a:schemeClr val="tx1"/>
+                  </a:solidFill>
+                  <a:latin typeface="Arial" charset="0"/>
+                  <a:ea typeface="Arial" charset="0"/>
+                  <a:cs typeface="Arial" charset="0"/>
+                </a:rPr>
+                <a:t>Explore</a:t>
+              </a:r>
+              <a:endParaRPr lang="en-US" sz="1600" dirty="0">
+                <a:solidFill>
+                  <a:schemeClr val="tx1"/>
+                </a:solidFill>
+                <a:latin typeface="Arial" charset="0"/>
+                <a:ea typeface="Arial" charset="0"/>
+                <a:cs typeface="Arial" charset="0"/>
+              </a:endParaRPr>
+            </a:p>
+          </p:txBody>
+        </p:sp>
+        <p:sp>
+          <p:nvSpPr>
+            <p:cNvPr id="6" name="Rectangle 5"/>
+            <p:cNvSpPr/>
+            <p:nvPr/>
+          </p:nvSpPr>
+          <p:spPr>
+            <a:xfrm>
+              <a:off x="4945504" y="2252962"/>
+              <a:ext cx="1315232" cy="613775"/>
+            </a:xfrm>
+            <a:prstGeom prst="rect">
+              <a:avLst/>
+            </a:prstGeom>
+            <a:noFill/>
+            <a:ln w="3175">
+              <a:solidFill>
+                <a:schemeClr val="tx1"/>
+              </a:solidFill>
+            </a:ln>
+          </p:spPr>
+          <p:style>
+            <a:lnRef idx="2">
+              <a:schemeClr val="accent1">
+                <a:shade val="50000"/>
+              </a:schemeClr>
+            </a:lnRef>
+            <a:fillRef idx="1">
+              <a:schemeClr val="accent1"/>
+            </a:fillRef>
+            <a:effectRef idx="0">
+              <a:schemeClr val="accent1"/>
+            </a:effectRef>
+            <a:fontRef idx="minor">
+              <a:schemeClr val="lt1"/>
+            </a:fontRef>
+          </p:style>
+          <p:txBody>
+            <a:bodyPr rtlCol="0" anchor="ctr"/>
+            <a:lstStyle/>
+            <a:p>
+              <a:pPr algn="ctr"/>
+              <a:r>
+                <a:rPr lang="en-US" sz="1600" dirty="0" smtClean="0">
+                  <a:solidFill>
+                    <a:schemeClr val="tx1"/>
+                  </a:solidFill>
+                  <a:latin typeface="Arial" charset="0"/>
+                  <a:ea typeface="Arial" charset="0"/>
+                  <a:cs typeface="Arial" charset="0"/>
+                </a:rPr>
+                <a:t>Constrained</a:t>
+              </a:r>
+            </a:p>
+            <a:p>
+              <a:pPr algn="ctr"/>
+              <a:r>
+                <a:rPr lang="en-US" sz="1600" dirty="0" smtClean="0">
+                  <a:solidFill>
+                    <a:schemeClr val="tx1"/>
+                  </a:solidFill>
+                  <a:latin typeface="Arial" charset="0"/>
+                  <a:ea typeface="Arial" charset="0"/>
+                  <a:cs typeface="Arial" charset="0"/>
+                </a:rPr>
+                <a:t>Merging</a:t>
+              </a:r>
+              <a:endParaRPr lang="en-US" sz="1600" dirty="0">
+                <a:solidFill>
+                  <a:schemeClr val="tx1"/>
+                </a:solidFill>
+                <a:latin typeface="Arial" charset="0"/>
+                <a:ea typeface="Arial" charset="0"/>
+                <a:cs typeface="Arial" charset="0"/>
+              </a:endParaRPr>
+            </a:p>
+          </p:txBody>
+        </p:sp>
+        <p:cxnSp>
+          <p:nvCxnSpPr>
+            <p:cNvPr id="10" name="Straight Arrow Connector 9"/>
+            <p:cNvCxnSpPr>
+              <a:endCxn id="6" idx="1"/>
+            </p:cNvCxnSpPr>
+            <p:nvPr/>
+          </p:nvCxnSpPr>
+          <p:spPr>
+            <a:xfrm>
+              <a:off x="3429304" y="2559849"/>
+              <a:ext cx="1516200" cy="1"/>
+            </a:xfrm>
+            <a:prstGeom prst="straightConnector1">
+              <a:avLst/>
+            </a:prstGeom>
+            <a:ln w="3175">
+              <a:solidFill>
+                <a:schemeClr val="tx1"/>
+              </a:solidFill>
+              <a:headEnd type="none" w="med" len="med"/>
+              <a:tailEnd type="arrow" w="med" len="med"/>
+            </a:ln>
+          </p:spPr>
+          <p:style>
+            <a:lnRef idx="1">
+              <a:schemeClr val="accent1"/>
+            </a:lnRef>
+            <a:fillRef idx="0">
+              <a:schemeClr val="accent1"/>
+            </a:fillRef>
+            <a:effectRef idx="0">
+              <a:schemeClr val="accent1"/>
+            </a:effectRef>
+            <a:fontRef idx="minor">
+              <a:schemeClr val="tx1"/>
+            </a:fontRef>
+          </p:style>
+        </p:cxnSp>
+        <p:cxnSp>
+          <p:nvCxnSpPr>
+            <p:cNvPr id="14" name="Straight Arrow Connector 13"/>
+            <p:cNvCxnSpPr/>
+            <p:nvPr/>
+          </p:nvCxnSpPr>
+          <p:spPr>
+            <a:xfrm>
+              <a:off x="6288615" y="2549046"/>
+              <a:ext cx="453022" cy="2089"/>
+            </a:xfrm>
+            <a:prstGeom prst="straightConnector1">
+              <a:avLst/>
+            </a:prstGeom>
+            <a:ln w="3175">
+              <a:solidFill>
+                <a:schemeClr val="tx1"/>
+              </a:solidFill>
+              <a:headEnd type="none" w="med" len="med"/>
+              <a:tailEnd type="arrow" w="med" len="med"/>
+            </a:ln>
+          </p:spPr>
+          <p:style>
+            <a:lnRef idx="1">
+              <a:schemeClr val="accent1"/>
+            </a:lnRef>
+            <a:fillRef idx="0">
+              <a:schemeClr val="accent1"/>
+            </a:fillRef>
+            <a:effectRef idx="0">
+              <a:schemeClr val="accent1"/>
+            </a:effectRef>
+            <a:fontRef idx="minor">
+              <a:schemeClr val="tx1"/>
+            </a:fontRef>
+          </p:style>
+        </p:cxnSp>
+        <p:cxnSp>
+          <p:nvCxnSpPr>
+            <p:cNvPr id="18" name="Straight Arrow Connector 17"/>
+            <p:cNvCxnSpPr/>
+            <p:nvPr/>
+          </p:nvCxnSpPr>
+          <p:spPr>
+            <a:xfrm>
+              <a:off x="1681828" y="2021422"/>
+              <a:ext cx="0" cy="507304"/>
+            </a:xfrm>
+            <a:prstGeom prst="straightConnector1">
+              <a:avLst/>
+            </a:prstGeom>
+            <a:ln>
+              <a:solidFill>
+                <a:schemeClr val="tx1"/>
+              </a:solidFill>
+              <a:tailEnd type="triangle"/>
+            </a:ln>
+          </p:spPr>
+          <p:style>
+            <a:lnRef idx="1">
+              <a:schemeClr val="accent1"/>
+            </a:lnRef>
+            <a:fillRef idx="0">
+              <a:schemeClr val="accent1"/>
+            </a:fillRef>
+            <a:effectRef idx="0">
+              <a:schemeClr val="accent1"/>
+            </a:effectRef>
+            <a:fontRef idx="minor">
+              <a:schemeClr val="tx1"/>
+            </a:fontRef>
+          </p:style>
+        </p:cxnSp>
+        <p:sp>
+          <p:nvSpPr>
+            <p:cNvPr id="20" name="TextBox 19"/>
+            <p:cNvSpPr txBox="1"/>
+            <p:nvPr/>
+          </p:nvSpPr>
+          <p:spPr>
+            <a:xfrm>
+              <a:off x="365204" y="1706546"/>
+              <a:ext cx="2645076" cy="307777"/>
+            </a:xfrm>
+            <a:prstGeom prst="rect">
+              <a:avLst/>
+            </a:prstGeom>
+            <a:noFill/>
+          </p:spPr>
+          <p:txBody>
+            <a:bodyPr wrap="square" rtlCol="0">
+              <a:spAutoFit/>
+            </a:bodyPr>
+            <a:lstStyle/>
+            <a:p>
+              <a:r>
+                <a:rPr lang="en-US" sz="1400" dirty="0" smtClean="0">
+                  <a:latin typeface="Arial" charset="0"/>
+                  <a:ea typeface="Arial" charset="0"/>
+                  <a:cs typeface="Arial" charset="0"/>
+                </a:rPr>
+                <a:t>Speech segments x</a:t>
+              </a:r>
+              <a:r>
+                <a:rPr lang="en-US" sz="1400" baseline="-25000" dirty="0" smtClean="0">
+                  <a:latin typeface="Arial" charset="0"/>
+                  <a:ea typeface="Arial" charset="0"/>
+                  <a:cs typeface="Arial" charset="0"/>
+                </a:rPr>
+                <a:t>1</a:t>
+              </a:r>
+              <a:r>
+                <a:rPr lang="en-US" sz="1400" dirty="0" smtClean="0">
+                  <a:latin typeface="Arial" charset="0"/>
+                  <a:ea typeface="Arial" charset="0"/>
+                  <a:cs typeface="Arial" charset="0"/>
+                </a:rPr>
+                <a:t>,x</a:t>
+              </a:r>
+              <a:r>
+                <a:rPr lang="en-US" sz="1400" baseline="-25000" dirty="0" smtClean="0">
+                  <a:latin typeface="Arial" charset="0"/>
+                  <a:ea typeface="Arial" charset="0"/>
+                  <a:cs typeface="Arial" charset="0"/>
+                </a:rPr>
+                <a:t>2</a:t>
+              </a:r>
+              <a:r>
+                <a:rPr lang="en-US" sz="1400" dirty="0" smtClean="0">
+                  <a:latin typeface="Arial" charset="0"/>
+                  <a:ea typeface="Arial" charset="0"/>
+                  <a:cs typeface="Arial" charset="0"/>
+                </a:rPr>
+                <a:t>,</a:t>
+              </a:r>
+              <a:r>
+                <a:rPr lang="is-IS" sz="1400" dirty="0" smtClean="0">
+                  <a:latin typeface="Arial" charset="0"/>
+                  <a:ea typeface="Arial" charset="0"/>
+                  <a:cs typeface="Arial" charset="0"/>
+                </a:rPr>
+                <a:t>…,x</a:t>
+              </a:r>
+              <a:r>
+                <a:rPr lang="is-IS" sz="1400" baseline="-25000" dirty="0" smtClean="0">
+                  <a:latin typeface="Arial" charset="0"/>
+                  <a:ea typeface="Arial" charset="0"/>
+                  <a:cs typeface="Arial" charset="0"/>
+                </a:rPr>
+                <a:t>n</a:t>
+              </a:r>
+              <a:endParaRPr lang="en-US" sz="1400" baseline="-25000" dirty="0">
+                <a:latin typeface="Arial" charset="0"/>
+                <a:ea typeface="Arial" charset="0"/>
+                <a:cs typeface="Arial" charset="0"/>
+              </a:endParaRPr>
+            </a:p>
+          </p:txBody>
+        </p:sp>
+        <p:sp>
+          <p:nvSpPr>
+            <p:cNvPr id="21" name="TextBox 20"/>
+            <p:cNvSpPr txBox="1"/>
+            <p:nvPr/>
+          </p:nvSpPr>
+          <p:spPr>
+            <a:xfrm>
+              <a:off x="6062104" y="2170134"/>
+              <a:ext cx="2645098" cy="523220"/>
+            </a:xfrm>
+            <a:prstGeom prst="rect">
+              <a:avLst/>
+            </a:prstGeom>
+            <a:noFill/>
+          </p:spPr>
+          <p:txBody>
+            <a:bodyPr wrap="square" rtlCol="0">
+              <a:spAutoFit/>
+            </a:bodyPr>
+            <a:lstStyle/>
+            <a:p>
+              <a:pPr algn="ctr"/>
+              <a:r>
+                <a:rPr lang="en-US" sz="1400" dirty="0" smtClean="0">
+                  <a:latin typeface="Arial" charset="0"/>
+                  <a:ea typeface="Arial" charset="0"/>
+                  <a:cs typeface="Arial" charset="0"/>
+                </a:rPr>
+                <a:t>x</a:t>
+              </a:r>
+              <a:r>
+                <a:rPr lang="en-US" sz="1400" baseline="-25000" dirty="0" smtClean="0">
+                  <a:latin typeface="Arial" charset="0"/>
+                  <a:ea typeface="Arial" charset="0"/>
+                  <a:cs typeface="Arial" charset="0"/>
+                </a:rPr>
+                <a:t>1</a:t>
+              </a:r>
+              <a:r>
+                <a:rPr lang="en-US" sz="1400" dirty="0" smtClean="0">
+                  <a:latin typeface="Arial" charset="0"/>
+                  <a:ea typeface="Arial" charset="0"/>
+                  <a:cs typeface="Arial" charset="0"/>
+                </a:rPr>
+                <a:t>,x</a:t>
+              </a:r>
+              <a:r>
+                <a:rPr lang="en-US" sz="1400" baseline="-25000" dirty="0" smtClean="0">
+                  <a:latin typeface="Arial" charset="0"/>
+                  <a:ea typeface="Arial" charset="0"/>
+                  <a:cs typeface="Arial" charset="0"/>
+                </a:rPr>
+                <a:t>2</a:t>
+              </a:r>
+              <a:r>
+                <a:rPr lang="en-US" sz="1400" dirty="0" smtClean="0">
+                  <a:latin typeface="Arial" charset="0"/>
+                  <a:ea typeface="Arial" charset="0"/>
+                  <a:cs typeface="Arial" charset="0"/>
+                </a:rPr>
+                <a:t>,</a:t>
+              </a:r>
+              <a:r>
+                <a:rPr lang="is-IS" sz="1400" dirty="0" smtClean="0">
+                  <a:latin typeface="Arial" charset="0"/>
+                  <a:ea typeface="Arial" charset="0"/>
+                  <a:cs typeface="Arial" charset="0"/>
+                </a:rPr>
+                <a:t>…,x</a:t>
+              </a:r>
+              <a:r>
+                <a:rPr lang="is-IS" sz="1400" baseline="-25000" dirty="0" smtClean="0">
+                  <a:latin typeface="Arial" charset="0"/>
+                  <a:ea typeface="Arial" charset="0"/>
+                  <a:cs typeface="Arial" charset="0"/>
+                </a:rPr>
+                <a:t>n</a:t>
+              </a:r>
+              <a:r>
+                <a:rPr lang="is-IS" sz="1400" dirty="0" smtClean="0">
+                  <a:latin typeface="Arial" charset="0"/>
+                  <a:ea typeface="Arial" charset="0"/>
+                  <a:cs typeface="Arial" charset="0"/>
+                </a:rPr>
+                <a:t>→ </a:t>
+              </a:r>
+              <a:r>
+                <a:rPr lang="en-US" sz="1400" dirty="0" smtClean="0">
+                  <a:latin typeface="Arial" charset="0"/>
+                  <a:ea typeface="Arial" charset="0"/>
+                  <a:cs typeface="Arial" charset="0"/>
+                </a:rPr>
+                <a:t>C</a:t>
+              </a:r>
+              <a:r>
+                <a:rPr lang="en-US" sz="1400" baseline="-25000" dirty="0" smtClean="0">
+                  <a:latin typeface="Arial" charset="0"/>
+                  <a:ea typeface="Arial" charset="0"/>
+                  <a:cs typeface="Arial" charset="0"/>
+                </a:rPr>
+                <a:t>1</a:t>
+              </a:r>
+              <a:r>
+                <a:rPr lang="en-US" sz="1400" dirty="0" smtClean="0">
+                  <a:latin typeface="Arial" charset="0"/>
+                  <a:ea typeface="Arial" charset="0"/>
+                  <a:cs typeface="Arial" charset="0"/>
+                </a:rPr>
+                <a:t>,C</a:t>
+              </a:r>
+              <a:r>
+                <a:rPr lang="en-US" sz="1400" baseline="-25000" dirty="0" smtClean="0">
+                  <a:latin typeface="Arial" charset="0"/>
+                  <a:ea typeface="Arial" charset="0"/>
+                  <a:cs typeface="Arial" charset="0"/>
+                </a:rPr>
+                <a:t>2</a:t>
+              </a:r>
+              <a:r>
+                <a:rPr lang="en-US" sz="1400" dirty="0" smtClean="0">
+                  <a:latin typeface="Arial" charset="0"/>
+                  <a:ea typeface="Arial" charset="0"/>
+                  <a:cs typeface="Arial" charset="0"/>
+                </a:rPr>
+                <a:t>,</a:t>
+              </a:r>
+              <a:r>
+                <a:rPr lang="is-IS" sz="1400" dirty="0" smtClean="0">
+                  <a:latin typeface="Arial" charset="0"/>
+                  <a:ea typeface="Arial" charset="0"/>
+                  <a:cs typeface="Arial" charset="0"/>
+                </a:rPr>
+                <a:t>…,C</a:t>
+              </a:r>
+              <a:r>
+                <a:rPr lang="is-IS" sz="1400" baseline="-25000" dirty="0" smtClean="0">
+                  <a:latin typeface="Arial" charset="0"/>
+                  <a:ea typeface="Arial" charset="0"/>
+                  <a:cs typeface="Arial" charset="0"/>
+                </a:rPr>
+                <a:t>k</a:t>
+              </a:r>
+            </a:p>
+            <a:p>
+              <a:endParaRPr lang="en-US" sz="1400" dirty="0">
+                <a:latin typeface="Arial" charset="0"/>
+                <a:ea typeface="Arial" charset="0"/>
+                <a:cs typeface="Arial" charset="0"/>
+              </a:endParaRPr>
+            </a:p>
+          </p:txBody>
+        </p:sp>
+        <p:cxnSp>
+          <p:nvCxnSpPr>
+            <p:cNvPr id="27" name="Straight Arrow Connector 26"/>
+            <p:cNvCxnSpPr>
+              <a:stCxn id="28" idx="2"/>
+              <a:endCxn id="22" idx="0"/>
+            </p:cNvCxnSpPr>
+            <p:nvPr/>
+          </p:nvCxnSpPr>
+          <p:spPr>
+            <a:xfrm>
+              <a:off x="2784952" y="1389054"/>
+              <a:ext cx="0" cy="652687"/>
+            </a:xfrm>
+            <a:prstGeom prst="straightConnector1">
+              <a:avLst/>
+            </a:prstGeom>
+            <a:ln>
+              <a:solidFill>
+                <a:srgbClr val="FF0000"/>
+              </a:solidFill>
+              <a:prstDash val="dashDot"/>
+              <a:headEnd type="none" w="med" len="med"/>
+              <a:tailEnd type="arrow" w="med" len="med"/>
+            </a:ln>
+          </p:spPr>
+          <p:style>
+            <a:lnRef idx="1">
+              <a:schemeClr val="accent1"/>
+            </a:lnRef>
+            <a:fillRef idx="0">
+              <a:schemeClr val="accent1"/>
+            </a:fillRef>
+            <a:effectRef idx="0">
+              <a:schemeClr val="accent1"/>
+            </a:effectRef>
+            <a:fontRef idx="minor">
+              <a:schemeClr val="tx1"/>
+            </a:fontRef>
+          </p:style>
+        </p:cxnSp>
+        <p:sp>
+          <p:nvSpPr>
+            <p:cNvPr id="28" name="TextBox 27"/>
+            <p:cNvSpPr txBox="1"/>
+            <p:nvPr/>
+          </p:nvSpPr>
+          <p:spPr>
+            <a:xfrm>
+              <a:off x="2072013" y="1081277"/>
+              <a:ext cx="1425878" cy="307777"/>
+            </a:xfrm>
+            <a:prstGeom prst="rect">
+              <a:avLst/>
+            </a:prstGeom>
+            <a:noFill/>
+          </p:spPr>
+          <p:txBody>
+            <a:bodyPr wrap="square" rtlCol="0">
+              <a:spAutoFit/>
+            </a:bodyPr>
+            <a:lstStyle/>
+            <a:p>
+              <a:r>
+                <a:rPr lang="en-US" sz="1400" dirty="0" smtClean="0">
+                  <a:latin typeface="Arial" charset="0"/>
+                  <a:ea typeface="Arial" charset="0"/>
+                  <a:cs typeface="Arial" charset="0"/>
+                </a:rPr>
+                <a:t>Active Learning </a:t>
+              </a:r>
+              <a:endParaRPr lang="en-US" sz="1400" dirty="0">
+                <a:latin typeface="Arial" charset="0"/>
+                <a:ea typeface="Arial" charset="0"/>
+                <a:cs typeface="Arial" charset="0"/>
+              </a:endParaRPr>
+            </a:p>
+          </p:txBody>
+        </p:sp>
+        <p:sp>
+          <p:nvSpPr>
+            <p:cNvPr id="40" name="TextBox 39"/>
+            <p:cNvSpPr txBox="1"/>
+            <p:nvPr/>
+          </p:nvSpPr>
+          <p:spPr>
+            <a:xfrm>
+              <a:off x="3680002" y="2009551"/>
+              <a:ext cx="1315090" cy="523220"/>
+            </a:xfrm>
+            <a:prstGeom prst="rect">
+              <a:avLst/>
+            </a:prstGeom>
+            <a:noFill/>
+          </p:spPr>
+          <p:txBody>
+            <a:bodyPr wrap="square" rtlCol="0">
+              <a:spAutoFit/>
+            </a:bodyPr>
+            <a:lstStyle/>
+            <a:p>
+              <a:r>
+                <a:rPr lang="en-US" sz="1400" dirty="0" smtClean="0">
+                  <a:latin typeface="Arial" charset="0"/>
+                  <a:ea typeface="Arial" charset="0"/>
+                  <a:cs typeface="Arial" charset="0"/>
+                </a:rPr>
+                <a:t>Initial </a:t>
+              </a:r>
+              <a:r>
+                <a:rPr lang="en-US" sz="1400" smtClean="0">
+                  <a:latin typeface="Arial" charset="0"/>
+                  <a:ea typeface="Arial" charset="0"/>
+                  <a:cs typeface="Arial" charset="0"/>
+                </a:rPr>
+                <a:t>clusters</a:t>
+              </a:r>
+              <a:r>
+                <a:rPr lang="en-US" sz="1400" smtClean="0">
+                  <a:latin typeface="Arial" charset="0"/>
+                  <a:ea typeface="Arial" charset="0"/>
+                  <a:cs typeface="Arial" charset="0"/>
+                </a:rPr>
+                <a:t> </a:t>
+              </a:r>
+            </a:p>
+            <a:p>
+              <a:r>
+                <a:rPr lang="en-US" sz="1400" dirty="0" smtClean="0">
+                  <a:latin typeface="Arial" charset="0"/>
+                  <a:ea typeface="Arial" charset="0"/>
+                  <a:cs typeface="Arial" charset="0"/>
+                </a:rPr>
+                <a:t>C</a:t>
+              </a:r>
+              <a:r>
+                <a:rPr lang="en-US" sz="1400" baseline="-25000" dirty="0" smtClean="0">
+                  <a:latin typeface="Arial" charset="0"/>
+                  <a:ea typeface="Arial" charset="0"/>
+                  <a:cs typeface="Arial" charset="0"/>
+                </a:rPr>
+                <a:t>1</a:t>
+              </a:r>
+              <a:r>
+                <a:rPr lang="en-US" sz="1400" dirty="0" smtClean="0">
+                  <a:latin typeface="Arial" charset="0"/>
+                  <a:ea typeface="Arial" charset="0"/>
+                  <a:cs typeface="Arial" charset="0"/>
+                </a:rPr>
+                <a:t>,C</a:t>
+              </a:r>
+              <a:r>
+                <a:rPr lang="en-US" sz="1400" baseline="-25000" dirty="0" smtClean="0">
+                  <a:latin typeface="Arial" charset="0"/>
+                  <a:ea typeface="Arial" charset="0"/>
+                  <a:cs typeface="Arial" charset="0"/>
+                </a:rPr>
+                <a:t>2</a:t>
+              </a:r>
+              <a:r>
+                <a:rPr lang="en-US" sz="1400" dirty="0" smtClean="0">
+                  <a:latin typeface="Arial" charset="0"/>
+                  <a:ea typeface="Arial" charset="0"/>
+                  <a:cs typeface="Arial" charset="0"/>
+                </a:rPr>
+                <a:t>,</a:t>
+              </a:r>
+              <a:r>
+                <a:rPr lang="is-IS" sz="1400" dirty="0" smtClean="0">
+                  <a:latin typeface="Arial" charset="0"/>
+                  <a:ea typeface="Arial" charset="0"/>
+                  <a:cs typeface="Arial" charset="0"/>
+                </a:rPr>
+                <a:t>…,C</a:t>
+              </a:r>
+              <a:r>
+                <a:rPr lang="is-IS" sz="1400" baseline="-25000" dirty="0">
+                  <a:latin typeface="Arial" charset="0"/>
+                  <a:ea typeface="Arial" charset="0"/>
+                  <a:cs typeface="Arial" charset="0"/>
+                </a:rPr>
+                <a:t>k</a:t>
+              </a:r>
+              <a:endParaRPr lang="en-US" sz="1400" baseline="-25000" dirty="0">
                 <a:latin typeface="Arial" charset="0"/>
                 <a:ea typeface="Arial" charset="0"/>
                 <a:cs typeface="Arial" charset="0"/>

--- a/figs/fig_prep_2.pptx
+++ b/figs/fig_prep_2.pptx
@@ -243,7 +243,7 @@
           <a:p>
             <a:fld id="{6FA1B834-0495-354C-AC40-6950F4C7C31A}" type="datetimeFigureOut">
               <a:rPr lang="en-US" smtClean="0"/>
-              <a:t>12/27/16</a:t>
+              <a:t>12/28/16</a:t>
             </a:fld>
             <a:endParaRPr lang="en-US"/>
           </a:p>
@@ -413,7 +413,7 @@
           <a:p>
             <a:fld id="{6FA1B834-0495-354C-AC40-6950F4C7C31A}" type="datetimeFigureOut">
               <a:rPr lang="en-US" smtClean="0"/>
-              <a:t>12/27/16</a:t>
+              <a:t>12/28/16</a:t>
             </a:fld>
             <a:endParaRPr lang="en-US"/>
           </a:p>
@@ -593,7 +593,7 @@
           <a:p>
             <a:fld id="{6FA1B834-0495-354C-AC40-6950F4C7C31A}" type="datetimeFigureOut">
               <a:rPr lang="en-US" smtClean="0"/>
-              <a:t>12/27/16</a:t>
+              <a:t>12/28/16</a:t>
             </a:fld>
             <a:endParaRPr lang="en-US"/>
           </a:p>
@@ -763,7 +763,7 @@
           <a:p>
             <a:fld id="{6FA1B834-0495-354C-AC40-6950F4C7C31A}" type="datetimeFigureOut">
               <a:rPr lang="en-US" smtClean="0"/>
-              <a:t>12/27/16</a:t>
+              <a:t>12/28/16</a:t>
             </a:fld>
             <a:endParaRPr lang="en-US"/>
           </a:p>
@@ -1009,7 +1009,7 @@
           <a:p>
             <a:fld id="{6FA1B834-0495-354C-AC40-6950F4C7C31A}" type="datetimeFigureOut">
               <a:rPr lang="en-US" smtClean="0"/>
-              <a:t>12/27/16</a:t>
+              <a:t>12/28/16</a:t>
             </a:fld>
             <a:endParaRPr lang="en-US"/>
           </a:p>
@@ -1241,7 +1241,7 @@
           <a:p>
             <a:fld id="{6FA1B834-0495-354C-AC40-6950F4C7C31A}" type="datetimeFigureOut">
               <a:rPr lang="en-US" smtClean="0"/>
-              <a:t>12/27/16</a:t>
+              <a:t>12/28/16</a:t>
             </a:fld>
             <a:endParaRPr lang="en-US"/>
           </a:p>
@@ -1608,7 +1608,7 @@
           <a:p>
             <a:fld id="{6FA1B834-0495-354C-AC40-6950F4C7C31A}" type="datetimeFigureOut">
               <a:rPr lang="en-US" smtClean="0"/>
-              <a:t>12/27/16</a:t>
+              <a:t>12/28/16</a:t>
             </a:fld>
             <a:endParaRPr lang="en-US"/>
           </a:p>
@@ -1726,7 +1726,7 @@
           <a:p>
             <a:fld id="{6FA1B834-0495-354C-AC40-6950F4C7C31A}" type="datetimeFigureOut">
               <a:rPr lang="en-US" smtClean="0"/>
-              <a:t>12/27/16</a:t>
+              <a:t>12/28/16</a:t>
             </a:fld>
             <a:endParaRPr lang="en-US"/>
           </a:p>
@@ -1821,7 +1821,7 @@
           <a:p>
             <a:fld id="{6FA1B834-0495-354C-AC40-6950F4C7C31A}" type="datetimeFigureOut">
               <a:rPr lang="en-US" smtClean="0"/>
-              <a:t>12/27/16</a:t>
+              <a:t>12/28/16</a:t>
             </a:fld>
             <a:endParaRPr lang="en-US"/>
           </a:p>
@@ -2098,7 +2098,7 @@
           <a:p>
             <a:fld id="{6FA1B834-0495-354C-AC40-6950F4C7C31A}" type="datetimeFigureOut">
               <a:rPr lang="en-US" smtClean="0"/>
-              <a:t>12/27/16</a:t>
+              <a:t>12/28/16</a:t>
             </a:fld>
             <a:endParaRPr lang="en-US"/>
           </a:p>
@@ -2351,7 +2351,7 @@
           <a:p>
             <a:fld id="{6FA1B834-0495-354C-AC40-6950F4C7C31A}" type="datetimeFigureOut">
               <a:rPr lang="en-US" smtClean="0"/>
-              <a:t>12/27/16</a:t>
+              <a:t>12/28/16</a:t>
             </a:fld>
             <a:endParaRPr lang="en-US"/>
           </a:p>
@@ -2564,7 +2564,7 @@
           <a:p>
             <a:fld id="{6FA1B834-0495-354C-AC40-6950F4C7C31A}" type="datetimeFigureOut">
               <a:rPr lang="en-US" smtClean="0"/>
-              <a:t>12/27/16</a:t>
+              <a:t>12/28/16</a:t>
             </a:fld>
             <a:endParaRPr lang="en-US"/>
           </a:p>
@@ -4046,7 +4046,7 @@
             <a:p>
               <a:pPr algn="ctr"/>
               <a:r>
-                <a:rPr lang="en-US" sz="1600" dirty="0" smtClean="0">
+                <a:rPr lang="en-US" sz="1600" smtClean="0">
                   <a:solidFill>
                     <a:schemeClr val="tx1"/>
                   </a:solidFill>
@@ -4054,7 +4054,7 @@
                   <a:ea typeface="Arial" charset="0"/>
                   <a:cs typeface="Arial" charset="0"/>
                 </a:rPr>
-                <a:t>Merging</a:t>
+                <a:t>Clustering</a:t>
               </a:r>
               <a:endParaRPr lang="en-US" sz="1600" dirty="0">
                 <a:solidFill>
@@ -4533,15 +4533,7 @@
                   <a:ea typeface="Arial" charset="0"/>
                   <a:cs typeface="Arial" charset="0"/>
                 </a:rPr>
-                <a:t>clusters</a:t>
-              </a:r>
-              <a:r>
-                <a:rPr lang="en-US" sz="1400" smtClean="0">
-                  <a:latin typeface="Arial" charset="0"/>
-                  <a:ea typeface="Arial" charset="0"/>
-                  <a:cs typeface="Arial" charset="0"/>
-                </a:rPr>
-                <a:t> </a:t>
+                <a:t>clusters </a:t>
               </a:r>
             </a:p>
             <a:p>

--- a/figs/fig_prep_2.pptx
+++ b/figs/fig_prep_2.pptx
@@ -4046,7 +4046,7 @@
             <a:p>
               <a:pPr algn="ctr"/>
               <a:r>
-                <a:rPr lang="en-US" sz="1600" smtClean="0">
+                <a:rPr lang="en-US" sz="1600" dirty="0" smtClean="0">
                   <a:solidFill>
                     <a:schemeClr val="tx1"/>
                   </a:solidFill>
